--- a/Диплом-Презентация.pptx
+++ b/Диплом-Презентация.pptx
@@ -5,20 +5,21 @@
     <p:sldMasterId id="2147483893" r:id="rId1"/>
   </p:sldMasterIdLst>
   <p:notesMasterIdLst>
-    <p:notesMasterId r:id="rId13"/>
+    <p:notesMasterId r:id="rId14"/>
   </p:notesMasterIdLst>
   <p:sldIdLst>
     <p:sldId id="256" r:id="rId2"/>
     <p:sldId id="257" r:id="rId3"/>
     <p:sldId id="258" r:id="rId4"/>
     <p:sldId id="259" r:id="rId5"/>
-    <p:sldId id="262" r:id="rId6"/>
-    <p:sldId id="260" r:id="rId7"/>
-    <p:sldId id="261" r:id="rId8"/>
-    <p:sldId id="263" r:id="rId9"/>
-    <p:sldId id="264" r:id="rId10"/>
-    <p:sldId id="265" r:id="rId11"/>
-    <p:sldId id="266" r:id="rId12"/>
+    <p:sldId id="267" r:id="rId6"/>
+    <p:sldId id="262" r:id="rId7"/>
+    <p:sldId id="260" r:id="rId8"/>
+    <p:sldId id="261" r:id="rId9"/>
+    <p:sldId id="263" r:id="rId10"/>
+    <p:sldId id="264" r:id="rId11"/>
+    <p:sldId id="265" r:id="rId12"/>
+    <p:sldId id="266" r:id="rId13"/>
   </p:sldIdLst>
   <p:sldSz cx="12192000" cy="6858000"/>
   <p:notesSz cx="6858000" cy="9144000"/>
@@ -6643,7 +6644,6 @@
               <a:rPr lang="ru-RU" sz="2500" dirty="0"/>
               <a:t>«Разработка ПО “Мониторинг эффективности” по профессорскому преподавательскому составу»</a:t>
             </a:r>
-            <a:endParaRPr lang="ru-RU" sz="2500" dirty="0"/>
           </a:p>
         </p:txBody>
       </p:sp>
@@ -6839,6 +6839,576 @@
           <a:chExt cx="0" cy="0"/>
         </a:xfrm>
       </p:grpSpPr>
+      <p:pic>
+        <p:nvPicPr>
+          <p:cNvPr id="7170" name="Рисунок 59"/>
+          <p:cNvPicPr>
+            <a:picLocks noChangeAspect="1" noChangeArrowheads="1"/>
+          </p:cNvPicPr>
+          <p:nvPr/>
+        </p:nvPicPr>
+        <p:blipFill>
+          <a:blip r:embed="rId2">
+            <a:extLst>
+              <a:ext uri="{28A0092B-C50C-407E-A947-70E740481C1C}">
+                <a14:useLocalDpi xmlns:a14="http://schemas.microsoft.com/office/drawing/2010/main" val="0"/>
+              </a:ext>
+            </a:extLst>
+          </a:blip>
+          <a:srcRect/>
+          <a:stretch>
+            <a:fillRect/>
+          </a:stretch>
+        </p:blipFill>
+        <p:spPr bwMode="auto">
+          <a:xfrm>
+            <a:off x="1684421" y="534203"/>
+            <a:ext cx="9248775" cy="1990725"/>
+          </a:xfrm>
+          <a:prstGeom prst="rect">
+            <a:avLst/>
+          </a:prstGeom>
+          <a:noFill/>
+          <a:extLst>
+            <a:ext uri="{909E8E84-426E-40DD-AFC4-6F175D3DCCD1}">
+              <a14:hiddenFill xmlns:a14="http://schemas.microsoft.com/office/drawing/2010/main">
+                <a:solidFill>
+                  <a:srgbClr val="FFFFFF"/>
+                </a:solidFill>
+              </a14:hiddenFill>
+            </a:ext>
+          </a:extLst>
+        </p:spPr>
+      </p:pic>
+      <p:pic>
+        <p:nvPicPr>
+          <p:cNvPr id="7169" name="Рисунок 58"/>
+          <p:cNvPicPr>
+            <a:picLocks noChangeAspect="1" noChangeArrowheads="1"/>
+          </p:cNvPicPr>
+          <p:nvPr/>
+        </p:nvPicPr>
+        <p:blipFill>
+          <a:blip r:embed="rId3">
+            <a:extLst>
+              <a:ext uri="{28A0092B-C50C-407E-A947-70E740481C1C}">
+                <a14:useLocalDpi xmlns:a14="http://schemas.microsoft.com/office/drawing/2010/main" val="0"/>
+              </a:ext>
+            </a:extLst>
+          </a:blip>
+          <a:srcRect/>
+          <a:stretch>
+            <a:fillRect/>
+          </a:stretch>
+        </p:blipFill>
+        <p:spPr bwMode="auto">
+          <a:xfrm>
+            <a:off x="1684421" y="3747335"/>
+            <a:ext cx="9248775" cy="1914525"/>
+          </a:xfrm>
+          <a:prstGeom prst="rect">
+            <a:avLst/>
+          </a:prstGeom>
+          <a:noFill/>
+          <a:extLst>
+            <a:ext uri="{909E8E84-426E-40DD-AFC4-6F175D3DCCD1}">
+              <a14:hiddenFill xmlns:a14="http://schemas.microsoft.com/office/drawing/2010/main">
+                <a:solidFill>
+                  <a:srgbClr val="FFFFFF"/>
+                </a:solidFill>
+              </a14:hiddenFill>
+            </a:ext>
+          </a:extLst>
+        </p:spPr>
+      </p:pic>
+      <p:sp>
+        <p:nvSpPr>
+          <p:cNvPr id="4" name="Rectangle 3"/>
+          <p:cNvSpPr>
+            <a:spLocks noChangeArrowheads="1"/>
+          </p:cNvSpPr>
+          <p:nvPr/>
+        </p:nvSpPr>
+        <p:spPr bwMode="auto">
+          <a:xfrm>
+            <a:off x="2107933" y="0"/>
+            <a:ext cx="12192000" cy="457200"/>
+          </a:xfrm>
+          <a:prstGeom prst="rect">
+            <a:avLst/>
+          </a:prstGeom>
+          <a:noFill/>
+          <a:ln>
+            <a:noFill/>
+          </a:ln>
+          <a:effectLst/>
+          <a:extLst>
+            <a:ext uri="{909E8E84-426E-40DD-AFC4-6F175D3DCCD1}">
+              <a14:hiddenFill xmlns:a14="http://schemas.microsoft.com/office/drawing/2010/main">
+                <a:solidFill>
+                  <a:schemeClr val="accent1"/>
+                </a:solidFill>
+              </a14:hiddenFill>
+            </a:ext>
+            <a:ext uri="{91240B29-F687-4F45-9708-019B960494DF}">
+              <a14:hiddenLine xmlns:a14="http://schemas.microsoft.com/office/drawing/2010/main" w="9525">
+                <a:solidFill>
+                  <a:schemeClr val="tx1"/>
+                </a:solidFill>
+                <a:miter lim="800000"/>
+                <a:headEnd/>
+                <a:tailEnd/>
+              </a14:hiddenLine>
+            </a:ext>
+            <a:ext uri="{AF507438-7753-43E0-B8FC-AC1667EBCBE1}">
+              <a14:hiddenEffects xmlns:a14="http://schemas.microsoft.com/office/drawing/2010/main">
+                <a:effectLst>
+                  <a:outerShdw dist="35921" dir="2700000" algn="ctr" rotWithShape="0">
+                    <a:schemeClr val="bg2"/>
+                  </a:outerShdw>
+                </a:effectLst>
+              </a14:hiddenEffects>
+            </a:ext>
+          </a:extLst>
+        </p:spPr>
+        <p:txBody>
+          <a:bodyPr vert="horz" wrap="none" lIns="91440" tIns="45720" rIns="91440" bIns="45720" numCol="1" anchor="ctr" anchorCtr="0" compatLnSpc="1">
+            <a:prstTxWarp prst="textNoShape">
+              <a:avLst/>
+            </a:prstTxWarp>
+            <a:spAutoFit/>
+          </a:bodyPr>
+          <a:lstStyle/>
+          <a:p>
+            <a:endParaRPr lang="ru-RU"/>
+          </a:p>
+        </p:txBody>
+      </p:sp>
+      <p:sp>
+        <p:nvSpPr>
+          <p:cNvPr id="5" name="Rectangle 4"/>
+          <p:cNvSpPr>
+            <a:spLocks noChangeArrowheads="1"/>
+          </p:cNvSpPr>
+          <p:nvPr/>
+        </p:nvSpPr>
+        <p:spPr bwMode="auto">
+          <a:xfrm>
+            <a:off x="4129238" y="2636801"/>
+            <a:ext cx="3335978" cy="584775"/>
+          </a:xfrm>
+          <a:prstGeom prst="rect">
+            <a:avLst/>
+          </a:prstGeom>
+          <a:noFill/>
+          <a:ln>
+            <a:noFill/>
+          </a:ln>
+          <a:effectLst/>
+          <a:extLst>
+            <a:ext uri="{909E8E84-426E-40DD-AFC4-6F175D3DCCD1}">
+              <a14:hiddenFill xmlns:a14="http://schemas.microsoft.com/office/drawing/2010/main">
+                <a:solidFill>
+                  <a:schemeClr val="accent1"/>
+                </a:solidFill>
+              </a14:hiddenFill>
+            </a:ext>
+            <a:ext uri="{91240B29-F687-4F45-9708-019B960494DF}">
+              <a14:hiddenLine xmlns:a14="http://schemas.microsoft.com/office/drawing/2010/main" w="9525">
+                <a:solidFill>
+                  <a:schemeClr val="tx1"/>
+                </a:solidFill>
+                <a:miter lim="800000"/>
+                <a:headEnd/>
+                <a:tailEnd/>
+              </a14:hiddenLine>
+            </a:ext>
+            <a:ext uri="{AF507438-7753-43E0-B8FC-AC1667EBCBE1}">
+              <a14:hiddenEffects xmlns:a14="http://schemas.microsoft.com/office/drawing/2010/main">
+                <a:effectLst>
+                  <a:outerShdw dist="35921" dir="2700000" algn="ctr" rotWithShape="0">
+                    <a:schemeClr val="bg2"/>
+                  </a:outerShdw>
+                </a:effectLst>
+              </a14:hiddenEffects>
+            </a:ext>
+          </a:extLst>
+        </p:spPr>
+        <p:txBody>
+          <a:bodyPr vert="horz" wrap="none" lIns="91440" tIns="45720" rIns="91440" bIns="45720" numCol="1" anchor="ctr" anchorCtr="0" compatLnSpc="1">
+            <a:prstTxWarp prst="textNoShape">
+              <a:avLst/>
+            </a:prstTxWarp>
+            <a:spAutoFit/>
+          </a:bodyPr>
+          <a:lstStyle>
+            <a:lvl1pPr indent="450850" eaLnBrk="0" fontAlgn="base" hangingPunct="0">
+              <a:spcBef>
+                <a:spcPct val="0"/>
+              </a:spcBef>
+              <a:spcAft>
+                <a:spcPct val="0"/>
+              </a:spcAft>
+              <a:defRPr>
+                <a:solidFill>
+                  <a:schemeClr val="tx1"/>
+                </a:solidFill>
+                <a:latin typeface="Arial" panose="020B0604020202020204" pitchFamily="34" charset="0"/>
+              </a:defRPr>
+            </a:lvl1pPr>
+            <a:lvl2pPr eaLnBrk="0" fontAlgn="base" hangingPunct="0">
+              <a:spcBef>
+                <a:spcPct val="0"/>
+              </a:spcBef>
+              <a:spcAft>
+                <a:spcPct val="0"/>
+              </a:spcAft>
+              <a:defRPr>
+                <a:solidFill>
+                  <a:schemeClr val="tx1"/>
+                </a:solidFill>
+                <a:latin typeface="Arial" panose="020B0604020202020204" pitchFamily="34" charset="0"/>
+              </a:defRPr>
+            </a:lvl2pPr>
+            <a:lvl3pPr eaLnBrk="0" fontAlgn="base" hangingPunct="0">
+              <a:spcBef>
+                <a:spcPct val="0"/>
+              </a:spcBef>
+              <a:spcAft>
+                <a:spcPct val="0"/>
+              </a:spcAft>
+              <a:defRPr>
+                <a:solidFill>
+                  <a:schemeClr val="tx1"/>
+                </a:solidFill>
+                <a:latin typeface="Arial" panose="020B0604020202020204" pitchFamily="34" charset="0"/>
+              </a:defRPr>
+            </a:lvl3pPr>
+            <a:lvl4pPr eaLnBrk="0" fontAlgn="base" hangingPunct="0">
+              <a:spcBef>
+                <a:spcPct val="0"/>
+              </a:spcBef>
+              <a:spcAft>
+                <a:spcPct val="0"/>
+              </a:spcAft>
+              <a:defRPr>
+                <a:solidFill>
+                  <a:schemeClr val="tx1"/>
+                </a:solidFill>
+                <a:latin typeface="Arial" panose="020B0604020202020204" pitchFamily="34" charset="0"/>
+              </a:defRPr>
+            </a:lvl4pPr>
+            <a:lvl5pPr eaLnBrk="0" fontAlgn="base" hangingPunct="0">
+              <a:spcBef>
+                <a:spcPct val="0"/>
+              </a:spcBef>
+              <a:spcAft>
+                <a:spcPct val="0"/>
+              </a:spcAft>
+              <a:defRPr>
+                <a:solidFill>
+                  <a:schemeClr val="tx1"/>
+                </a:solidFill>
+                <a:latin typeface="Arial" panose="020B0604020202020204" pitchFamily="34" charset="0"/>
+              </a:defRPr>
+            </a:lvl5pPr>
+            <a:lvl6pPr eaLnBrk="0" fontAlgn="base" hangingPunct="0">
+              <a:spcBef>
+                <a:spcPct val="0"/>
+              </a:spcBef>
+              <a:spcAft>
+                <a:spcPct val="0"/>
+              </a:spcAft>
+              <a:defRPr>
+                <a:solidFill>
+                  <a:schemeClr val="tx1"/>
+                </a:solidFill>
+                <a:latin typeface="Arial" panose="020B0604020202020204" pitchFamily="34" charset="0"/>
+              </a:defRPr>
+            </a:lvl6pPr>
+            <a:lvl7pPr eaLnBrk="0" fontAlgn="base" hangingPunct="0">
+              <a:spcBef>
+                <a:spcPct val="0"/>
+              </a:spcBef>
+              <a:spcAft>
+                <a:spcPct val="0"/>
+              </a:spcAft>
+              <a:defRPr>
+                <a:solidFill>
+                  <a:schemeClr val="tx1"/>
+                </a:solidFill>
+                <a:latin typeface="Arial" panose="020B0604020202020204" pitchFamily="34" charset="0"/>
+              </a:defRPr>
+            </a:lvl7pPr>
+            <a:lvl8pPr eaLnBrk="0" fontAlgn="base" hangingPunct="0">
+              <a:spcBef>
+                <a:spcPct val="0"/>
+              </a:spcBef>
+              <a:spcAft>
+                <a:spcPct val="0"/>
+              </a:spcAft>
+              <a:defRPr>
+                <a:solidFill>
+                  <a:schemeClr val="tx1"/>
+                </a:solidFill>
+                <a:latin typeface="Arial" panose="020B0604020202020204" pitchFamily="34" charset="0"/>
+              </a:defRPr>
+            </a:lvl8pPr>
+            <a:lvl9pPr eaLnBrk="0" fontAlgn="base" hangingPunct="0">
+              <a:spcBef>
+                <a:spcPct val="0"/>
+              </a:spcBef>
+              <a:spcAft>
+                <a:spcPct val="0"/>
+              </a:spcAft>
+              <a:defRPr>
+                <a:solidFill>
+                  <a:schemeClr val="tx1"/>
+                </a:solidFill>
+                <a:latin typeface="Arial" panose="020B0604020202020204" pitchFamily="34" charset="0"/>
+              </a:defRPr>
+            </a:lvl9pPr>
+          </a:lstStyle>
+          <a:p>
+            <a:pPr marL="0" marR="0" lvl="0" indent="450850" algn="l" defTabSz="914400" rtl="0" eaLnBrk="0" fontAlgn="base" latinLnBrk="0" hangingPunct="0">
+              <a:lnSpc>
+                <a:spcPct val="100000"/>
+              </a:lnSpc>
+              <a:spcBef>
+                <a:spcPct val="0"/>
+              </a:spcBef>
+              <a:spcAft>
+                <a:spcPct val="0"/>
+              </a:spcAft>
+              <a:buClrTx/>
+              <a:buSzTx/>
+              <a:buFontTx/>
+              <a:buNone/>
+              <a:tabLst/>
+            </a:pPr>
+            <a:r>
+              <a:rPr kumimoji="0" lang="ru-RU" sz="1400" b="0" i="0" u="none" strike="noStrike" cap="none" normalizeH="0" baseline="0" dirty="0" smtClean="0">
+                <a:ln>
+                  <a:noFill/>
+                </a:ln>
+                <a:solidFill>
+                  <a:srgbClr val="000000"/>
+                </a:solidFill>
+                <a:effectLst/>
+                <a:latin typeface="Times New Roman" panose="02020603050405020304" pitchFamily="18" charset="0"/>
+                <a:ea typeface="Calibri" panose="020F0502020204030204" pitchFamily="34" charset="0"/>
+                <a:cs typeface="Times New Roman" panose="02020603050405020304" pitchFamily="18" charset="0"/>
+              </a:rPr>
+              <a:t>Распределение персонала по стажу</a:t>
+            </a:r>
+            <a:endParaRPr kumimoji="0" lang="ru-RU" sz="800" b="0" i="0" u="none" strike="noStrike" cap="none" normalizeH="0" baseline="0" dirty="0" smtClean="0">
+              <a:ln>
+                <a:noFill/>
+              </a:ln>
+              <a:solidFill>
+                <a:schemeClr val="tx1"/>
+              </a:solidFill>
+              <a:effectLst/>
+            </a:endParaRPr>
+          </a:p>
+          <a:p>
+            <a:pPr marL="0" marR="0" lvl="0" indent="450850" algn="l" defTabSz="914400" rtl="0" eaLnBrk="0" fontAlgn="base" latinLnBrk="0" hangingPunct="0">
+              <a:lnSpc>
+                <a:spcPct val="100000"/>
+              </a:lnSpc>
+              <a:spcBef>
+                <a:spcPct val="0"/>
+              </a:spcBef>
+              <a:spcAft>
+                <a:spcPct val="0"/>
+              </a:spcAft>
+              <a:buClrTx/>
+              <a:buSzTx/>
+              <a:buFontTx/>
+              <a:buNone/>
+              <a:tabLst/>
+            </a:pPr>
+            <a:endParaRPr kumimoji="0" lang="ru-RU" sz="1800" b="0" i="0" u="none" strike="noStrike" cap="none" normalizeH="0" baseline="0" dirty="0" smtClean="0">
+              <a:ln>
+                <a:noFill/>
+              </a:ln>
+              <a:solidFill>
+                <a:schemeClr val="tx1"/>
+              </a:solidFill>
+              <a:effectLst/>
+              <a:latin typeface="Arial" panose="020B0604020202020204" pitchFamily="34" charset="0"/>
+            </a:endParaRPr>
+          </a:p>
+        </p:txBody>
+      </p:sp>
+      <p:sp>
+        <p:nvSpPr>
+          <p:cNvPr id="6" name="Rectangle 5"/>
+          <p:cNvSpPr>
+            <a:spLocks noChangeArrowheads="1"/>
+          </p:cNvSpPr>
+          <p:nvPr/>
+        </p:nvSpPr>
+        <p:spPr bwMode="auto">
+          <a:xfrm>
+            <a:off x="4263992" y="5738979"/>
+            <a:ext cx="3800720" cy="307777"/>
+          </a:xfrm>
+          <a:prstGeom prst="rect">
+            <a:avLst/>
+          </a:prstGeom>
+          <a:noFill/>
+          <a:ln>
+            <a:noFill/>
+          </a:ln>
+          <a:effectLst/>
+          <a:extLst>
+            <a:ext uri="{909E8E84-426E-40DD-AFC4-6F175D3DCCD1}">
+              <a14:hiddenFill xmlns:a14="http://schemas.microsoft.com/office/drawing/2010/main">
+                <a:solidFill>
+                  <a:schemeClr val="accent1"/>
+                </a:solidFill>
+              </a14:hiddenFill>
+            </a:ext>
+            <a:ext uri="{91240B29-F687-4F45-9708-019B960494DF}">
+              <a14:hiddenLine xmlns:a14="http://schemas.microsoft.com/office/drawing/2010/main" w="9525">
+                <a:solidFill>
+                  <a:schemeClr val="tx1"/>
+                </a:solidFill>
+                <a:miter lim="800000"/>
+                <a:headEnd/>
+                <a:tailEnd/>
+              </a14:hiddenLine>
+            </a:ext>
+            <a:ext uri="{AF507438-7753-43E0-B8FC-AC1667EBCBE1}">
+              <a14:hiddenEffects xmlns:a14="http://schemas.microsoft.com/office/drawing/2010/main">
+                <a:effectLst>
+                  <a:outerShdw dist="35921" dir="2700000" algn="ctr" rotWithShape="0">
+                    <a:schemeClr val="bg2"/>
+                  </a:outerShdw>
+                </a:effectLst>
+              </a14:hiddenEffects>
+            </a:ext>
+          </a:extLst>
+        </p:spPr>
+        <p:txBody>
+          <a:bodyPr vert="horz" wrap="none" lIns="91440" tIns="45720" rIns="91440" bIns="45720" numCol="1" anchor="ctr" anchorCtr="0" compatLnSpc="1">
+            <a:prstTxWarp prst="textNoShape">
+              <a:avLst/>
+            </a:prstTxWarp>
+            <a:spAutoFit/>
+          </a:bodyPr>
+          <a:lstStyle/>
+          <a:p>
+            <a:pPr marL="0" marR="0" lvl="0" indent="0" algn="l" defTabSz="914400" rtl="0" eaLnBrk="0" fontAlgn="base" latinLnBrk="0" hangingPunct="0">
+              <a:lnSpc>
+                <a:spcPct val="100000"/>
+              </a:lnSpc>
+              <a:spcBef>
+                <a:spcPct val="0"/>
+              </a:spcBef>
+              <a:spcAft>
+                <a:spcPct val="0"/>
+              </a:spcAft>
+              <a:buClrTx/>
+              <a:buSzTx/>
+              <a:buFontTx/>
+              <a:buNone/>
+              <a:tabLst/>
+            </a:pPr>
+            <a:r>
+              <a:rPr kumimoji="0" lang="ru-RU" sz="1400" b="0" i="0" u="none" strike="noStrike" cap="none" normalizeH="0" baseline="0" dirty="0" smtClean="0">
+                <a:ln>
+                  <a:noFill/>
+                </a:ln>
+                <a:solidFill>
+                  <a:schemeClr val="tx1"/>
+                </a:solidFill>
+                <a:effectLst/>
+                <a:latin typeface="Times New Roman" panose="02020603050405020304" pitchFamily="18" charset="0"/>
+                <a:ea typeface="Calibri" panose="020F0502020204030204" pitchFamily="34" charset="0"/>
+                <a:cs typeface="Times New Roman" panose="02020603050405020304" pitchFamily="18" charset="0"/>
+              </a:rPr>
+              <a:t> </a:t>
+            </a:r>
+            <a:r>
+              <a:rPr kumimoji="0" lang="ru-RU" sz="1400" b="0" i="0" u="none" strike="noStrike" cap="none" normalizeH="0" baseline="0" dirty="0" smtClean="0">
+                <a:ln>
+                  <a:noFill/>
+                </a:ln>
+                <a:solidFill>
+                  <a:srgbClr val="000000"/>
+                </a:solidFill>
+                <a:effectLst/>
+                <a:latin typeface="Times New Roman" panose="02020603050405020304" pitchFamily="18" charset="0"/>
+                <a:ea typeface="Calibri" panose="020F0502020204030204" pitchFamily="34" charset="0"/>
+                <a:cs typeface="Times New Roman" panose="02020603050405020304" pitchFamily="18" charset="0"/>
+              </a:rPr>
+              <a:t>Распределение персонала по полу и возрасту</a:t>
+            </a:r>
+            <a:r>
+              <a:rPr kumimoji="0" lang="ru-RU" sz="800" b="0" i="0" u="none" strike="noStrike" cap="none" normalizeH="0" baseline="0" dirty="0" smtClean="0">
+                <a:ln>
+                  <a:noFill/>
+                </a:ln>
+                <a:solidFill>
+                  <a:schemeClr val="tx1"/>
+                </a:solidFill>
+                <a:effectLst/>
+              </a:rPr>
+              <a:t> </a:t>
+            </a:r>
+            <a:endParaRPr kumimoji="0" lang="ru-RU" sz="1800" b="0" i="0" u="none" strike="noStrike" cap="none" normalizeH="0" baseline="0" dirty="0" smtClean="0">
+              <a:ln>
+                <a:noFill/>
+              </a:ln>
+              <a:solidFill>
+                <a:schemeClr val="tx1"/>
+              </a:solidFill>
+              <a:effectLst/>
+              <a:latin typeface="Arial" panose="020B0604020202020204" pitchFamily="34" charset="0"/>
+            </a:endParaRPr>
+          </a:p>
+        </p:txBody>
+      </p:sp>
+    </p:spTree>
+    <p:extLst>
+      <p:ext uri="{BB962C8B-B14F-4D97-AF65-F5344CB8AC3E}">
+        <p14:creationId xmlns:p14="http://schemas.microsoft.com/office/powerpoint/2010/main" val="3807916318"/>
+      </p:ext>
+    </p:extLst>
+  </p:cSld>
+  <p:clrMapOvr>
+    <a:masterClrMapping/>
+  </p:clrMapOvr>
+</p:sld>
+</file>
+
+<file path=ppt/slides/slide11.xml><?xml version="1.0" encoding="utf-8"?>
+<p:sld xmlns:a="http://schemas.openxmlformats.org/drawingml/2006/main" xmlns:r="http://schemas.openxmlformats.org/officeDocument/2006/relationships" xmlns:p="http://schemas.openxmlformats.org/presentationml/2006/main">
+  <p:cSld>
+    <p:bg>
+      <p:bgPr>
+        <a:solidFill>
+          <a:schemeClr val="bg1"/>
+        </a:solidFill>
+        <a:effectLst/>
+      </p:bgPr>
+    </p:bg>
+    <p:spTree>
+      <p:nvGrpSpPr>
+        <p:cNvPr id="1" name=""/>
+        <p:cNvGrpSpPr/>
+        <p:nvPr/>
+      </p:nvGrpSpPr>
+      <p:grpSpPr>
+        <a:xfrm>
+          <a:off x="0" y="0"/>
+          <a:ext cx="0" cy="0"/>
+          <a:chOff x="0" y="0"/>
+          <a:chExt cx="0" cy="0"/>
+        </a:xfrm>
+      </p:grpSpPr>
       <p:sp>
         <p:nvSpPr>
           <p:cNvPr id="2" name="Заголовок 1"/>
@@ -7098,7 +7668,7 @@
 </p:sld>
 </file>
 
-<file path=ppt/slides/slide11.xml><?xml version="1.0" encoding="utf-8"?>
+<file path=ppt/slides/slide12.xml><?xml version="1.0" encoding="utf-8"?>
 <p:sld xmlns:a="http://schemas.openxmlformats.org/drawingml/2006/main" xmlns:r="http://schemas.openxmlformats.org/officeDocument/2006/relationships" xmlns:p="http://schemas.openxmlformats.org/presentationml/2006/main">
   <p:cSld>
     <p:bg>
@@ -7872,6 +8442,73 @@
 </file>
 
 <file path=ppt/slides/slide5.xml><?xml version="1.0" encoding="utf-8"?>
+<p:sld xmlns:a="http://schemas.openxmlformats.org/drawingml/2006/main" xmlns:r="http://schemas.openxmlformats.org/officeDocument/2006/relationships" xmlns:p="http://schemas.openxmlformats.org/presentationml/2006/main">
+  <p:cSld>
+    <p:bg>
+      <p:bgPr>
+        <a:solidFill>
+          <a:schemeClr val="bg1"/>
+        </a:solidFill>
+        <a:effectLst/>
+      </p:bgPr>
+    </p:bg>
+    <p:spTree>
+      <p:nvGrpSpPr>
+        <p:cNvPr id="1" name=""/>
+        <p:cNvGrpSpPr/>
+        <p:nvPr/>
+      </p:nvGrpSpPr>
+      <p:grpSpPr>
+        <a:xfrm>
+          <a:off x="0" y="0"/>
+          <a:ext cx="0" cy="0"/>
+          <a:chOff x="0" y="0"/>
+          <a:chExt cx="0" cy="0"/>
+        </a:xfrm>
+      </p:grpSpPr>
+      <p:pic>
+        <p:nvPicPr>
+          <p:cNvPr id="8" name="Рисунок 7"/>
+          <p:cNvPicPr>
+            <a:picLocks noChangeAspect="1"/>
+          </p:cNvPicPr>
+          <p:nvPr/>
+        </p:nvPicPr>
+        <p:blipFill rotWithShape="1">
+          <a:blip r:embed="rId2">
+            <a:extLst>
+              <a:ext uri="{28A0092B-C50C-407E-A947-70E740481C1C}">
+                <a14:useLocalDpi xmlns:a14="http://schemas.microsoft.com/office/drawing/2010/main" val="0"/>
+              </a:ext>
+            </a:extLst>
+          </a:blip>
+          <a:srcRect b="8275"/>
+          <a:stretch/>
+        </p:blipFill>
+        <p:spPr>
+          <a:xfrm>
+            <a:off x="2499174" y="682459"/>
+            <a:ext cx="7641113" cy="5035954"/>
+          </a:xfrm>
+          <a:prstGeom prst="rect">
+            <a:avLst/>
+          </a:prstGeom>
+        </p:spPr>
+      </p:pic>
+    </p:spTree>
+    <p:extLst>
+      <p:ext uri="{BB962C8B-B14F-4D97-AF65-F5344CB8AC3E}">
+        <p14:creationId xmlns:p14="http://schemas.microsoft.com/office/powerpoint/2010/main" val="864378359"/>
+      </p:ext>
+    </p:extLst>
+  </p:cSld>
+  <p:clrMapOvr>
+    <a:masterClrMapping/>
+  </p:clrMapOvr>
+</p:sld>
+</file>
+
+<file path=ppt/slides/slide6.xml><?xml version="1.0" encoding="utf-8"?>
 <p:sld xmlns:a="http://schemas.openxmlformats.org/drawingml/2006/main" xmlns:r="http://schemas.openxmlformats.org/officeDocument/2006/relationships" xmlns:p="http://schemas.openxmlformats.org/presentationml/2006/main">
   <p:cSld>
     <p:bg>
@@ -8352,7 +8989,7 @@
 </p:sld>
 </file>
 
-<file path=ppt/slides/slide6.xml><?xml version="1.0" encoding="utf-8"?>
+<file path=ppt/slides/slide7.xml><?xml version="1.0" encoding="utf-8"?>
 <p:sld xmlns:a="http://schemas.openxmlformats.org/drawingml/2006/main" xmlns:r="http://schemas.openxmlformats.org/officeDocument/2006/relationships" xmlns:p="http://schemas.openxmlformats.org/presentationml/2006/main">
   <p:cSld>
     <p:bg>
@@ -8596,7 +9233,7 @@
 </p:sld>
 </file>
 
-<file path=ppt/slides/slide7.xml><?xml version="1.0" encoding="utf-8"?>
+<file path=ppt/slides/slide8.xml><?xml version="1.0" encoding="utf-8"?>
 <p:sld xmlns:a="http://schemas.openxmlformats.org/drawingml/2006/main" xmlns:r="http://schemas.openxmlformats.org/officeDocument/2006/relationships" xmlns:p="http://schemas.openxmlformats.org/presentationml/2006/main">
   <p:cSld>
     <p:bg>
@@ -8841,7 +9478,7 @@
 </p:sld>
 </file>
 
-<file path=ppt/slides/slide8.xml><?xml version="1.0" encoding="utf-8"?>
+<file path=ppt/slides/slide9.xml><?xml version="1.0" encoding="utf-8"?>
 <p:sld xmlns:a="http://schemas.openxmlformats.org/drawingml/2006/main" xmlns:r="http://schemas.openxmlformats.org/officeDocument/2006/relationships" xmlns:p="http://schemas.openxmlformats.org/presentationml/2006/main">
   <p:cSld>
     <p:bg>
@@ -9173,576 +9810,6 @@
     <p:extLst>
       <p:ext uri="{BB962C8B-B14F-4D97-AF65-F5344CB8AC3E}">
         <p14:creationId xmlns:p14="http://schemas.microsoft.com/office/powerpoint/2010/main" val="4280218224"/>
-      </p:ext>
-    </p:extLst>
-  </p:cSld>
-  <p:clrMapOvr>
-    <a:masterClrMapping/>
-  </p:clrMapOvr>
-</p:sld>
-</file>
-
-<file path=ppt/slides/slide9.xml><?xml version="1.0" encoding="utf-8"?>
-<p:sld xmlns:a="http://schemas.openxmlformats.org/drawingml/2006/main" xmlns:r="http://schemas.openxmlformats.org/officeDocument/2006/relationships" xmlns:p="http://schemas.openxmlformats.org/presentationml/2006/main">
-  <p:cSld>
-    <p:bg>
-      <p:bgPr>
-        <a:solidFill>
-          <a:schemeClr val="bg1"/>
-        </a:solidFill>
-        <a:effectLst/>
-      </p:bgPr>
-    </p:bg>
-    <p:spTree>
-      <p:nvGrpSpPr>
-        <p:cNvPr id="1" name=""/>
-        <p:cNvGrpSpPr/>
-        <p:nvPr/>
-      </p:nvGrpSpPr>
-      <p:grpSpPr>
-        <a:xfrm>
-          <a:off x="0" y="0"/>
-          <a:ext cx="0" cy="0"/>
-          <a:chOff x="0" y="0"/>
-          <a:chExt cx="0" cy="0"/>
-        </a:xfrm>
-      </p:grpSpPr>
-      <p:pic>
-        <p:nvPicPr>
-          <p:cNvPr id="7170" name="Рисунок 59"/>
-          <p:cNvPicPr>
-            <a:picLocks noChangeAspect="1" noChangeArrowheads="1"/>
-          </p:cNvPicPr>
-          <p:nvPr/>
-        </p:nvPicPr>
-        <p:blipFill>
-          <a:blip r:embed="rId2">
-            <a:extLst>
-              <a:ext uri="{28A0092B-C50C-407E-A947-70E740481C1C}">
-                <a14:useLocalDpi xmlns:a14="http://schemas.microsoft.com/office/drawing/2010/main" val="0"/>
-              </a:ext>
-            </a:extLst>
-          </a:blip>
-          <a:srcRect/>
-          <a:stretch>
-            <a:fillRect/>
-          </a:stretch>
-        </p:blipFill>
-        <p:spPr bwMode="auto">
-          <a:xfrm>
-            <a:off x="1684421" y="534203"/>
-            <a:ext cx="9248775" cy="1990725"/>
-          </a:xfrm>
-          <a:prstGeom prst="rect">
-            <a:avLst/>
-          </a:prstGeom>
-          <a:noFill/>
-          <a:extLst>
-            <a:ext uri="{909E8E84-426E-40DD-AFC4-6F175D3DCCD1}">
-              <a14:hiddenFill xmlns:a14="http://schemas.microsoft.com/office/drawing/2010/main">
-                <a:solidFill>
-                  <a:srgbClr val="FFFFFF"/>
-                </a:solidFill>
-              </a14:hiddenFill>
-            </a:ext>
-          </a:extLst>
-        </p:spPr>
-      </p:pic>
-      <p:pic>
-        <p:nvPicPr>
-          <p:cNvPr id="7169" name="Рисунок 58"/>
-          <p:cNvPicPr>
-            <a:picLocks noChangeAspect="1" noChangeArrowheads="1"/>
-          </p:cNvPicPr>
-          <p:nvPr/>
-        </p:nvPicPr>
-        <p:blipFill>
-          <a:blip r:embed="rId3">
-            <a:extLst>
-              <a:ext uri="{28A0092B-C50C-407E-A947-70E740481C1C}">
-                <a14:useLocalDpi xmlns:a14="http://schemas.microsoft.com/office/drawing/2010/main" val="0"/>
-              </a:ext>
-            </a:extLst>
-          </a:blip>
-          <a:srcRect/>
-          <a:stretch>
-            <a:fillRect/>
-          </a:stretch>
-        </p:blipFill>
-        <p:spPr bwMode="auto">
-          <a:xfrm>
-            <a:off x="1684421" y="3747335"/>
-            <a:ext cx="9248775" cy="1914525"/>
-          </a:xfrm>
-          <a:prstGeom prst="rect">
-            <a:avLst/>
-          </a:prstGeom>
-          <a:noFill/>
-          <a:extLst>
-            <a:ext uri="{909E8E84-426E-40DD-AFC4-6F175D3DCCD1}">
-              <a14:hiddenFill xmlns:a14="http://schemas.microsoft.com/office/drawing/2010/main">
-                <a:solidFill>
-                  <a:srgbClr val="FFFFFF"/>
-                </a:solidFill>
-              </a14:hiddenFill>
-            </a:ext>
-          </a:extLst>
-        </p:spPr>
-      </p:pic>
-      <p:sp>
-        <p:nvSpPr>
-          <p:cNvPr id="4" name="Rectangle 3"/>
-          <p:cNvSpPr>
-            <a:spLocks noChangeArrowheads="1"/>
-          </p:cNvSpPr>
-          <p:nvPr/>
-        </p:nvSpPr>
-        <p:spPr bwMode="auto">
-          <a:xfrm>
-            <a:off x="2107933" y="0"/>
-            <a:ext cx="12192000" cy="457200"/>
-          </a:xfrm>
-          <a:prstGeom prst="rect">
-            <a:avLst/>
-          </a:prstGeom>
-          <a:noFill/>
-          <a:ln>
-            <a:noFill/>
-          </a:ln>
-          <a:effectLst/>
-          <a:extLst>
-            <a:ext uri="{909E8E84-426E-40DD-AFC4-6F175D3DCCD1}">
-              <a14:hiddenFill xmlns:a14="http://schemas.microsoft.com/office/drawing/2010/main">
-                <a:solidFill>
-                  <a:schemeClr val="accent1"/>
-                </a:solidFill>
-              </a14:hiddenFill>
-            </a:ext>
-            <a:ext uri="{91240B29-F687-4F45-9708-019B960494DF}">
-              <a14:hiddenLine xmlns:a14="http://schemas.microsoft.com/office/drawing/2010/main" w="9525">
-                <a:solidFill>
-                  <a:schemeClr val="tx1"/>
-                </a:solidFill>
-                <a:miter lim="800000"/>
-                <a:headEnd/>
-                <a:tailEnd/>
-              </a14:hiddenLine>
-            </a:ext>
-            <a:ext uri="{AF507438-7753-43E0-B8FC-AC1667EBCBE1}">
-              <a14:hiddenEffects xmlns:a14="http://schemas.microsoft.com/office/drawing/2010/main">
-                <a:effectLst>
-                  <a:outerShdw dist="35921" dir="2700000" algn="ctr" rotWithShape="0">
-                    <a:schemeClr val="bg2"/>
-                  </a:outerShdw>
-                </a:effectLst>
-              </a14:hiddenEffects>
-            </a:ext>
-          </a:extLst>
-        </p:spPr>
-        <p:txBody>
-          <a:bodyPr vert="horz" wrap="none" lIns="91440" tIns="45720" rIns="91440" bIns="45720" numCol="1" anchor="ctr" anchorCtr="0" compatLnSpc="1">
-            <a:prstTxWarp prst="textNoShape">
-              <a:avLst/>
-            </a:prstTxWarp>
-            <a:spAutoFit/>
-          </a:bodyPr>
-          <a:lstStyle/>
-          <a:p>
-            <a:endParaRPr lang="ru-RU"/>
-          </a:p>
-        </p:txBody>
-      </p:sp>
-      <p:sp>
-        <p:nvSpPr>
-          <p:cNvPr id="5" name="Rectangle 4"/>
-          <p:cNvSpPr>
-            <a:spLocks noChangeArrowheads="1"/>
-          </p:cNvSpPr>
-          <p:nvPr/>
-        </p:nvSpPr>
-        <p:spPr bwMode="auto">
-          <a:xfrm>
-            <a:off x="4129238" y="2636801"/>
-            <a:ext cx="3335978" cy="584775"/>
-          </a:xfrm>
-          <a:prstGeom prst="rect">
-            <a:avLst/>
-          </a:prstGeom>
-          <a:noFill/>
-          <a:ln>
-            <a:noFill/>
-          </a:ln>
-          <a:effectLst/>
-          <a:extLst>
-            <a:ext uri="{909E8E84-426E-40DD-AFC4-6F175D3DCCD1}">
-              <a14:hiddenFill xmlns:a14="http://schemas.microsoft.com/office/drawing/2010/main">
-                <a:solidFill>
-                  <a:schemeClr val="accent1"/>
-                </a:solidFill>
-              </a14:hiddenFill>
-            </a:ext>
-            <a:ext uri="{91240B29-F687-4F45-9708-019B960494DF}">
-              <a14:hiddenLine xmlns:a14="http://schemas.microsoft.com/office/drawing/2010/main" w="9525">
-                <a:solidFill>
-                  <a:schemeClr val="tx1"/>
-                </a:solidFill>
-                <a:miter lim="800000"/>
-                <a:headEnd/>
-                <a:tailEnd/>
-              </a14:hiddenLine>
-            </a:ext>
-            <a:ext uri="{AF507438-7753-43E0-B8FC-AC1667EBCBE1}">
-              <a14:hiddenEffects xmlns:a14="http://schemas.microsoft.com/office/drawing/2010/main">
-                <a:effectLst>
-                  <a:outerShdw dist="35921" dir="2700000" algn="ctr" rotWithShape="0">
-                    <a:schemeClr val="bg2"/>
-                  </a:outerShdw>
-                </a:effectLst>
-              </a14:hiddenEffects>
-            </a:ext>
-          </a:extLst>
-        </p:spPr>
-        <p:txBody>
-          <a:bodyPr vert="horz" wrap="none" lIns="91440" tIns="45720" rIns="91440" bIns="45720" numCol="1" anchor="ctr" anchorCtr="0" compatLnSpc="1">
-            <a:prstTxWarp prst="textNoShape">
-              <a:avLst/>
-            </a:prstTxWarp>
-            <a:spAutoFit/>
-          </a:bodyPr>
-          <a:lstStyle>
-            <a:lvl1pPr indent="450850" eaLnBrk="0" fontAlgn="base" hangingPunct="0">
-              <a:spcBef>
-                <a:spcPct val="0"/>
-              </a:spcBef>
-              <a:spcAft>
-                <a:spcPct val="0"/>
-              </a:spcAft>
-              <a:defRPr>
-                <a:solidFill>
-                  <a:schemeClr val="tx1"/>
-                </a:solidFill>
-                <a:latin typeface="Arial" panose="020B0604020202020204" pitchFamily="34" charset="0"/>
-              </a:defRPr>
-            </a:lvl1pPr>
-            <a:lvl2pPr eaLnBrk="0" fontAlgn="base" hangingPunct="0">
-              <a:spcBef>
-                <a:spcPct val="0"/>
-              </a:spcBef>
-              <a:spcAft>
-                <a:spcPct val="0"/>
-              </a:spcAft>
-              <a:defRPr>
-                <a:solidFill>
-                  <a:schemeClr val="tx1"/>
-                </a:solidFill>
-                <a:latin typeface="Arial" panose="020B0604020202020204" pitchFamily="34" charset="0"/>
-              </a:defRPr>
-            </a:lvl2pPr>
-            <a:lvl3pPr eaLnBrk="0" fontAlgn="base" hangingPunct="0">
-              <a:spcBef>
-                <a:spcPct val="0"/>
-              </a:spcBef>
-              <a:spcAft>
-                <a:spcPct val="0"/>
-              </a:spcAft>
-              <a:defRPr>
-                <a:solidFill>
-                  <a:schemeClr val="tx1"/>
-                </a:solidFill>
-                <a:latin typeface="Arial" panose="020B0604020202020204" pitchFamily="34" charset="0"/>
-              </a:defRPr>
-            </a:lvl3pPr>
-            <a:lvl4pPr eaLnBrk="0" fontAlgn="base" hangingPunct="0">
-              <a:spcBef>
-                <a:spcPct val="0"/>
-              </a:spcBef>
-              <a:spcAft>
-                <a:spcPct val="0"/>
-              </a:spcAft>
-              <a:defRPr>
-                <a:solidFill>
-                  <a:schemeClr val="tx1"/>
-                </a:solidFill>
-                <a:latin typeface="Arial" panose="020B0604020202020204" pitchFamily="34" charset="0"/>
-              </a:defRPr>
-            </a:lvl4pPr>
-            <a:lvl5pPr eaLnBrk="0" fontAlgn="base" hangingPunct="0">
-              <a:spcBef>
-                <a:spcPct val="0"/>
-              </a:spcBef>
-              <a:spcAft>
-                <a:spcPct val="0"/>
-              </a:spcAft>
-              <a:defRPr>
-                <a:solidFill>
-                  <a:schemeClr val="tx1"/>
-                </a:solidFill>
-                <a:latin typeface="Arial" panose="020B0604020202020204" pitchFamily="34" charset="0"/>
-              </a:defRPr>
-            </a:lvl5pPr>
-            <a:lvl6pPr eaLnBrk="0" fontAlgn="base" hangingPunct="0">
-              <a:spcBef>
-                <a:spcPct val="0"/>
-              </a:spcBef>
-              <a:spcAft>
-                <a:spcPct val="0"/>
-              </a:spcAft>
-              <a:defRPr>
-                <a:solidFill>
-                  <a:schemeClr val="tx1"/>
-                </a:solidFill>
-                <a:latin typeface="Arial" panose="020B0604020202020204" pitchFamily="34" charset="0"/>
-              </a:defRPr>
-            </a:lvl6pPr>
-            <a:lvl7pPr eaLnBrk="0" fontAlgn="base" hangingPunct="0">
-              <a:spcBef>
-                <a:spcPct val="0"/>
-              </a:spcBef>
-              <a:spcAft>
-                <a:spcPct val="0"/>
-              </a:spcAft>
-              <a:defRPr>
-                <a:solidFill>
-                  <a:schemeClr val="tx1"/>
-                </a:solidFill>
-                <a:latin typeface="Arial" panose="020B0604020202020204" pitchFamily="34" charset="0"/>
-              </a:defRPr>
-            </a:lvl7pPr>
-            <a:lvl8pPr eaLnBrk="0" fontAlgn="base" hangingPunct="0">
-              <a:spcBef>
-                <a:spcPct val="0"/>
-              </a:spcBef>
-              <a:spcAft>
-                <a:spcPct val="0"/>
-              </a:spcAft>
-              <a:defRPr>
-                <a:solidFill>
-                  <a:schemeClr val="tx1"/>
-                </a:solidFill>
-                <a:latin typeface="Arial" panose="020B0604020202020204" pitchFamily="34" charset="0"/>
-              </a:defRPr>
-            </a:lvl8pPr>
-            <a:lvl9pPr eaLnBrk="0" fontAlgn="base" hangingPunct="0">
-              <a:spcBef>
-                <a:spcPct val="0"/>
-              </a:spcBef>
-              <a:spcAft>
-                <a:spcPct val="0"/>
-              </a:spcAft>
-              <a:defRPr>
-                <a:solidFill>
-                  <a:schemeClr val="tx1"/>
-                </a:solidFill>
-                <a:latin typeface="Arial" panose="020B0604020202020204" pitchFamily="34" charset="0"/>
-              </a:defRPr>
-            </a:lvl9pPr>
-          </a:lstStyle>
-          <a:p>
-            <a:pPr marL="0" marR="0" lvl="0" indent="450850" algn="l" defTabSz="914400" rtl="0" eaLnBrk="0" fontAlgn="base" latinLnBrk="0" hangingPunct="0">
-              <a:lnSpc>
-                <a:spcPct val="100000"/>
-              </a:lnSpc>
-              <a:spcBef>
-                <a:spcPct val="0"/>
-              </a:spcBef>
-              <a:spcAft>
-                <a:spcPct val="0"/>
-              </a:spcAft>
-              <a:buClrTx/>
-              <a:buSzTx/>
-              <a:buFontTx/>
-              <a:buNone/>
-              <a:tabLst/>
-            </a:pPr>
-            <a:r>
-              <a:rPr kumimoji="0" lang="ru-RU" sz="1400" b="0" i="0" u="none" strike="noStrike" cap="none" normalizeH="0" baseline="0" dirty="0" smtClean="0">
-                <a:ln>
-                  <a:noFill/>
-                </a:ln>
-                <a:solidFill>
-                  <a:srgbClr val="000000"/>
-                </a:solidFill>
-                <a:effectLst/>
-                <a:latin typeface="Times New Roman" panose="02020603050405020304" pitchFamily="18" charset="0"/>
-                <a:ea typeface="Calibri" panose="020F0502020204030204" pitchFamily="34" charset="0"/>
-                <a:cs typeface="Times New Roman" panose="02020603050405020304" pitchFamily="18" charset="0"/>
-              </a:rPr>
-              <a:t>Распределение персонала по стажу</a:t>
-            </a:r>
-            <a:endParaRPr kumimoji="0" lang="ru-RU" sz="800" b="0" i="0" u="none" strike="noStrike" cap="none" normalizeH="0" baseline="0" dirty="0" smtClean="0">
-              <a:ln>
-                <a:noFill/>
-              </a:ln>
-              <a:solidFill>
-                <a:schemeClr val="tx1"/>
-              </a:solidFill>
-              <a:effectLst/>
-            </a:endParaRPr>
-          </a:p>
-          <a:p>
-            <a:pPr marL="0" marR="0" lvl="0" indent="450850" algn="l" defTabSz="914400" rtl="0" eaLnBrk="0" fontAlgn="base" latinLnBrk="0" hangingPunct="0">
-              <a:lnSpc>
-                <a:spcPct val="100000"/>
-              </a:lnSpc>
-              <a:spcBef>
-                <a:spcPct val="0"/>
-              </a:spcBef>
-              <a:spcAft>
-                <a:spcPct val="0"/>
-              </a:spcAft>
-              <a:buClrTx/>
-              <a:buSzTx/>
-              <a:buFontTx/>
-              <a:buNone/>
-              <a:tabLst/>
-            </a:pPr>
-            <a:endParaRPr kumimoji="0" lang="ru-RU" sz="1800" b="0" i="0" u="none" strike="noStrike" cap="none" normalizeH="0" baseline="0" dirty="0" smtClean="0">
-              <a:ln>
-                <a:noFill/>
-              </a:ln>
-              <a:solidFill>
-                <a:schemeClr val="tx1"/>
-              </a:solidFill>
-              <a:effectLst/>
-              <a:latin typeface="Arial" panose="020B0604020202020204" pitchFamily="34" charset="0"/>
-            </a:endParaRPr>
-          </a:p>
-        </p:txBody>
-      </p:sp>
-      <p:sp>
-        <p:nvSpPr>
-          <p:cNvPr id="6" name="Rectangle 5"/>
-          <p:cNvSpPr>
-            <a:spLocks noChangeArrowheads="1"/>
-          </p:cNvSpPr>
-          <p:nvPr/>
-        </p:nvSpPr>
-        <p:spPr bwMode="auto">
-          <a:xfrm>
-            <a:off x="4263992" y="5738979"/>
-            <a:ext cx="3800720" cy="307777"/>
-          </a:xfrm>
-          <a:prstGeom prst="rect">
-            <a:avLst/>
-          </a:prstGeom>
-          <a:noFill/>
-          <a:ln>
-            <a:noFill/>
-          </a:ln>
-          <a:effectLst/>
-          <a:extLst>
-            <a:ext uri="{909E8E84-426E-40DD-AFC4-6F175D3DCCD1}">
-              <a14:hiddenFill xmlns:a14="http://schemas.microsoft.com/office/drawing/2010/main">
-                <a:solidFill>
-                  <a:schemeClr val="accent1"/>
-                </a:solidFill>
-              </a14:hiddenFill>
-            </a:ext>
-            <a:ext uri="{91240B29-F687-4F45-9708-019B960494DF}">
-              <a14:hiddenLine xmlns:a14="http://schemas.microsoft.com/office/drawing/2010/main" w="9525">
-                <a:solidFill>
-                  <a:schemeClr val="tx1"/>
-                </a:solidFill>
-                <a:miter lim="800000"/>
-                <a:headEnd/>
-                <a:tailEnd/>
-              </a14:hiddenLine>
-            </a:ext>
-            <a:ext uri="{AF507438-7753-43E0-B8FC-AC1667EBCBE1}">
-              <a14:hiddenEffects xmlns:a14="http://schemas.microsoft.com/office/drawing/2010/main">
-                <a:effectLst>
-                  <a:outerShdw dist="35921" dir="2700000" algn="ctr" rotWithShape="0">
-                    <a:schemeClr val="bg2"/>
-                  </a:outerShdw>
-                </a:effectLst>
-              </a14:hiddenEffects>
-            </a:ext>
-          </a:extLst>
-        </p:spPr>
-        <p:txBody>
-          <a:bodyPr vert="horz" wrap="none" lIns="91440" tIns="45720" rIns="91440" bIns="45720" numCol="1" anchor="ctr" anchorCtr="0" compatLnSpc="1">
-            <a:prstTxWarp prst="textNoShape">
-              <a:avLst/>
-            </a:prstTxWarp>
-            <a:spAutoFit/>
-          </a:bodyPr>
-          <a:lstStyle/>
-          <a:p>
-            <a:pPr marL="0" marR="0" lvl="0" indent="0" algn="l" defTabSz="914400" rtl="0" eaLnBrk="0" fontAlgn="base" latinLnBrk="0" hangingPunct="0">
-              <a:lnSpc>
-                <a:spcPct val="100000"/>
-              </a:lnSpc>
-              <a:spcBef>
-                <a:spcPct val="0"/>
-              </a:spcBef>
-              <a:spcAft>
-                <a:spcPct val="0"/>
-              </a:spcAft>
-              <a:buClrTx/>
-              <a:buSzTx/>
-              <a:buFontTx/>
-              <a:buNone/>
-              <a:tabLst/>
-            </a:pPr>
-            <a:r>
-              <a:rPr kumimoji="0" lang="ru-RU" sz="1400" b="0" i="0" u="none" strike="noStrike" cap="none" normalizeH="0" baseline="0" dirty="0" smtClean="0">
-                <a:ln>
-                  <a:noFill/>
-                </a:ln>
-                <a:solidFill>
-                  <a:schemeClr val="tx1"/>
-                </a:solidFill>
-                <a:effectLst/>
-                <a:latin typeface="Times New Roman" panose="02020603050405020304" pitchFamily="18" charset="0"/>
-                <a:ea typeface="Calibri" panose="020F0502020204030204" pitchFamily="34" charset="0"/>
-                <a:cs typeface="Times New Roman" panose="02020603050405020304" pitchFamily="18" charset="0"/>
-              </a:rPr>
-              <a:t> </a:t>
-            </a:r>
-            <a:r>
-              <a:rPr kumimoji="0" lang="ru-RU" sz="1400" b="0" i="0" u="none" strike="noStrike" cap="none" normalizeH="0" baseline="0" dirty="0" smtClean="0">
-                <a:ln>
-                  <a:noFill/>
-                </a:ln>
-                <a:solidFill>
-                  <a:srgbClr val="000000"/>
-                </a:solidFill>
-                <a:effectLst/>
-                <a:latin typeface="Times New Roman" panose="02020603050405020304" pitchFamily="18" charset="0"/>
-                <a:ea typeface="Calibri" panose="020F0502020204030204" pitchFamily="34" charset="0"/>
-                <a:cs typeface="Times New Roman" panose="02020603050405020304" pitchFamily="18" charset="0"/>
-              </a:rPr>
-              <a:t>Распределение персонала по полу и возрасту</a:t>
-            </a:r>
-            <a:r>
-              <a:rPr kumimoji="0" lang="ru-RU" sz="800" b="0" i="0" u="none" strike="noStrike" cap="none" normalizeH="0" baseline="0" dirty="0" smtClean="0">
-                <a:ln>
-                  <a:noFill/>
-                </a:ln>
-                <a:solidFill>
-                  <a:schemeClr val="tx1"/>
-                </a:solidFill>
-                <a:effectLst/>
-              </a:rPr>
-              <a:t> </a:t>
-            </a:r>
-            <a:endParaRPr kumimoji="0" lang="ru-RU" sz="1800" b="0" i="0" u="none" strike="noStrike" cap="none" normalizeH="0" baseline="0" dirty="0" smtClean="0">
-              <a:ln>
-                <a:noFill/>
-              </a:ln>
-              <a:solidFill>
-                <a:schemeClr val="tx1"/>
-              </a:solidFill>
-              <a:effectLst/>
-              <a:latin typeface="Arial" panose="020B0604020202020204" pitchFamily="34" charset="0"/>
-            </a:endParaRPr>
-          </a:p>
-        </p:txBody>
-      </p:sp>
-    </p:spTree>
-    <p:extLst>
-      <p:ext uri="{BB962C8B-B14F-4D97-AF65-F5344CB8AC3E}">
-        <p14:creationId xmlns:p14="http://schemas.microsoft.com/office/powerpoint/2010/main" val="3807916318"/>
       </p:ext>
     </p:extLst>
   </p:cSld>

--- a/Диплом-Презентация.pptx
+++ b/Диплом-Презентация.pptx
@@ -208,7 +208,7 @@
           <a:p>
             <a:fld id="{22BDBF61-0D7C-4834-B519-E78878DF438F}" type="datetimeFigureOut">
               <a:rPr lang="ru-RU" smtClean="0"/>
-              <a:t>16.05.2016</a:t>
+              <a:t>29.05.2016</a:t>
             </a:fld>
             <a:endParaRPr lang="ru-RU"/>
           </a:p>
@@ -1062,7 +1062,7 @@
           <a:p>
             <a:fld id="{06B6B7CC-0028-4AD5-8BD4-D61D16BB35BE}" type="datetimeFigureOut">
               <a:rPr lang="ru-RU" smtClean="0"/>
-              <a:t>16.05.2016</a:t>
+              <a:t>29.05.2016</a:t>
             </a:fld>
             <a:endParaRPr lang="ru-RU"/>
           </a:p>
@@ -1358,7 +1358,7 @@
           <a:p>
             <a:fld id="{06B6B7CC-0028-4AD5-8BD4-D61D16BB35BE}" type="datetimeFigureOut">
               <a:rPr lang="ru-RU" smtClean="0"/>
-              <a:t>16.05.2016</a:t>
+              <a:t>29.05.2016</a:t>
             </a:fld>
             <a:endParaRPr lang="ru-RU"/>
           </a:p>
@@ -1606,7 +1606,7 @@
           <a:p>
             <a:fld id="{06B6B7CC-0028-4AD5-8BD4-D61D16BB35BE}" type="datetimeFigureOut">
               <a:rPr lang="ru-RU" smtClean="0"/>
-              <a:t>16.05.2016</a:t>
+              <a:t>29.05.2016</a:t>
             </a:fld>
             <a:endParaRPr lang="ru-RU"/>
           </a:p>
@@ -2146,7 +2146,7 @@
           <a:p>
             <a:fld id="{06B6B7CC-0028-4AD5-8BD4-D61D16BB35BE}" type="datetimeFigureOut">
               <a:rPr lang="ru-RU" smtClean="0"/>
-              <a:t>16.05.2016</a:t>
+              <a:t>29.05.2016</a:t>
             </a:fld>
             <a:endParaRPr lang="ru-RU"/>
           </a:p>
@@ -2394,7 +2394,7 @@
           <a:p>
             <a:fld id="{06B6B7CC-0028-4AD5-8BD4-D61D16BB35BE}" type="datetimeFigureOut">
               <a:rPr lang="ru-RU" smtClean="0"/>
-              <a:t>16.05.2016</a:t>
+              <a:t>29.05.2016</a:t>
             </a:fld>
             <a:endParaRPr lang="ru-RU"/>
           </a:p>
@@ -2926,7 +2926,7 @@
           <a:p>
             <a:fld id="{06B6B7CC-0028-4AD5-8BD4-D61D16BB35BE}" type="datetimeFigureOut">
               <a:rPr lang="ru-RU" smtClean="0"/>
-              <a:t>16.05.2016</a:t>
+              <a:t>29.05.2016</a:t>
             </a:fld>
             <a:endParaRPr lang="ru-RU"/>
           </a:p>
@@ -3223,7 +3223,7 @@
           <a:p>
             <a:fld id="{06B6B7CC-0028-4AD5-8BD4-D61D16BB35BE}" type="datetimeFigureOut">
               <a:rPr lang="ru-RU" smtClean="0"/>
-              <a:t>16.05.2016</a:t>
+              <a:t>29.05.2016</a:t>
             </a:fld>
             <a:endParaRPr lang="ru-RU"/>
           </a:p>
@@ -3397,7 +3397,7 @@
           <a:p>
             <a:fld id="{06B6B7CC-0028-4AD5-8BD4-D61D16BB35BE}" type="datetimeFigureOut">
               <a:rPr lang="ru-RU" smtClean="0"/>
-              <a:t>16.05.2016</a:t>
+              <a:t>29.05.2016</a:t>
             </a:fld>
             <a:endParaRPr lang="ru-RU"/>
           </a:p>
@@ -3577,7 +3577,7 @@
           <a:p>
             <a:fld id="{06B6B7CC-0028-4AD5-8BD4-D61D16BB35BE}" type="datetimeFigureOut">
               <a:rPr lang="ru-RU" smtClean="0"/>
-              <a:t>16.05.2016</a:t>
+              <a:t>29.05.2016</a:t>
             </a:fld>
             <a:endParaRPr lang="ru-RU"/>
           </a:p>
@@ -3747,7 +3747,7 @@
           <a:p>
             <a:fld id="{06B6B7CC-0028-4AD5-8BD4-D61D16BB35BE}" type="datetimeFigureOut">
               <a:rPr lang="ru-RU" smtClean="0"/>
-              <a:t>16.05.2016</a:t>
+              <a:t>29.05.2016</a:t>
             </a:fld>
             <a:endParaRPr lang="ru-RU"/>
           </a:p>
@@ -3998,7 +3998,7 @@
           <a:p>
             <a:fld id="{06B6B7CC-0028-4AD5-8BD4-D61D16BB35BE}" type="datetimeFigureOut">
               <a:rPr lang="ru-RU" smtClean="0"/>
-              <a:t>16.05.2016</a:t>
+              <a:t>29.05.2016</a:t>
             </a:fld>
             <a:endParaRPr lang="ru-RU"/>
           </a:p>
@@ -4295,7 +4295,7 @@
           <a:p>
             <a:fld id="{06B6B7CC-0028-4AD5-8BD4-D61D16BB35BE}" type="datetimeFigureOut">
               <a:rPr lang="ru-RU" smtClean="0"/>
-              <a:t>16.05.2016</a:t>
+              <a:t>29.05.2016</a:t>
             </a:fld>
             <a:endParaRPr lang="ru-RU"/>
           </a:p>
@@ -4737,7 +4737,7 @@
           <a:p>
             <a:fld id="{06B6B7CC-0028-4AD5-8BD4-D61D16BB35BE}" type="datetimeFigureOut">
               <a:rPr lang="ru-RU" smtClean="0"/>
-              <a:t>16.05.2016</a:t>
+              <a:t>29.05.2016</a:t>
             </a:fld>
             <a:endParaRPr lang="ru-RU"/>
           </a:p>
@@ -4855,7 +4855,7 @@
           <a:p>
             <a:fld id="{06B6B7CC-0028-4AD5-8BD4-D61D16BB35BE}" type="datetimeFigureOut">
               <a:rPr lang="ru-RU" smtClean="0"/>
-              <a:t>16.05.2016</a:t>
+              <a:t>29.05.2016</a:t>
             </a:fld>
             <a:endParaRPr lang="ru-RU"/>
           </a:p>
@@ -4950,7 +4950,7 @@
           <a:p>
             <a:fld id="{06B6B7CC-0028-4AD5-8BD4-D61D16BB35BE}" type="datetimeFigureOut">
               <a:rPr lang="ru-RU" smtClean="0"/>
-              <a:t>16.05.2016</a:t>
+              <a:t>29.05.2016</a:t>
             </a:fld>
             <a:endParaRPr lang="ru-RU"/>
           </a:p>
@@ -5233,7 +5233,7 @@
           <a:p>
             <a:fld id="{06B6B7CC-0028-4AD5-8BD4-D61D16BB35BE}" type="datetimeFigureOut">
               <a:rPr lang="ru-RU" smtClean="0"/>
-              <a:t>16.05.2016</a:t>
+              <a:t>29.05.2016</a:t>
             </a:fld>
             <a:endParaRPr lang="ru-RU"/>
           </a:p>
@@ -5524,7 +5524,7 @@
           <a:p>
             <a:fld id="{06B6B7CC-0028-4AD5-8BD4-D61D16BB35BE}" type="datetimeFigureOut">
               <a:rPr lang="ru-RU" smtClean="0"/>
-              <a:t>16.05.2016</a:t>
+              <a:t>29.05.2016</a:t>
             </a:fld>
             <a:endParaRPr lang="ru-RU"/>
           </a:p>
@@ -6054,7 +6054,7 @@
           <a:p>
             <a:fld id="{06B6B7CC-0028-4AD5-8BD4-D61D16BB35BE}" type="datetimeFigureOut">
               <a:rPr lang="ru-RU" smtClean="0"/>
-              <a:t>16.05.2016</a:t>
+              <a:t>29.05.2016</a:t>
             </a:fld>
             <a:endParaRPr lang="ru-RU"/>
           </a:p>
@@ -8533,40 +8533,6 @@
           <a:chExt cx="0" cy="0"/>
         </a:xfrm>
       </p:grpSpPr>
-      <p:pic>
-        <p:nvPicPr>
-          <p:cNvPr id="5121" name="Рисунок 33"/>
-          <p:cNvPicPr>
-            <a:picLocks noChangeAspect="1" noChangeArrowheads="1"/>
-          </p:cNvPicPr>
-          <p:nvPr/>
-        </p:nvPicPr>
-        <p:blipFill>
-          <a:blip r:embed="rId2">
-            <a:extLst>
-              <a:ext uri="{28A0092B-C50C-407E-A947-70E740481C1C}">
-                <a14:useLocalDpi xmlns:a14="http://schemas.microsoft.com/office/drawing/2010/main" val="0"/>
-              </a:ext>
-            </a:extLst>
-          </a:blip>
-          <a:srcRect/>
-          <a:stretch>
-            <a:fillRect/>
-          </a:stretch>
-        </p:blipFill>
-        <p:spPr bwMode="auto">
-          <a:xfrm>
-            <a:off x="2454441" y="177917"/>
-            <a:ext cx="7496175" cy="6115050"/>
-          </a:xfrm>
-          <a:prstGeom prst="rect">
-            <a:avLst/>
-          </a:prstGeom>
-          <a:solidFill>
-            <a:schemeClr val="bg1"/>
-          </a:solidFill>
-        </p:spPr>
-      </p:pic>
       <p:sp>
         <p:nvSpPr>
           <p:cNvPr id="5" name="Text Box 4"/>
@@ -8976,6 +8942,30 @@
           </a:p>
         </p:txBody>
       </p:sp>
+      <p:pic>
+        <p:nvPicPr>
+          <p:cNvPr id="2" name="Рисунок 1"/>
+          <p:cNvPicPr>
+            <a:picLocks noChangeAspect="1"/>
+          </p:cNvPicPr>
+          <p:nvPr/>
+        </p:nvPicPr>
+        <p:blipFill>
+          <a:blip r:embed="rId2"/>
+          <a:stretch>
+            <a:fillRect/>
+          </a:stretch>
+        </p:blipFill>
+        <p:spPr>
+          <a:xfrm>
+            <a:off x="2721875" y="0"/>
+            <a:ext cx="7048500" cy="6115050"/>
+          </a:xfrm>
+          <a:prstGeom prst="rect">
+            <a:avLst/>
+          </a:prstGeom>
+        </p:spPr>
+      </p:pic>
     </p:spTree>
     <p:extLst>
       <p:ext uri="{BB962C8B-B14F-4D97-AF65-F5344CB8AC3E}">

--- a/Диплом-Презентация.pptx
+++ b/Диплом-Презентация.pptx
@@ -8284,47 +8284,6 @@
           </a:p>
         </p:txBody>
       </p:sp>
-      <p:pic>
-        <p:nvPicPr>
-          <p:cNvPr id="2052" name="Рисунок 2"/>
-          <p:cNvPicPr>
-            <a:picLocks noChangeAspect="1" noChangeArrowheads="1"/>
-          </p:cNvPicPr>
-          <p:nvPr/>
-        </p:nvPicPr>
-        <p:blipFill>
-          <a:blip r:embed="rId2">
-            <a:extLst>
-              <a:ext uri="{28A0092B-C50C-407E-A947-70E740481C1C}">
-                <a14:useLocalDpi xmlns:a14="http://schemas.microsoft.com/office/drawing/2010/main" val="0"/>
-              </a:ext>
-            </a:extLst>
-          </a:blip>
-          <a:srcRect/>
-          <a:stretch>
-            <a:fillRect/>
-          </a:stretch>
-        </p:blipFill>
-        <p:spPr bwMode="auto">
-          <a:xfrm>
-            <a:off x="3311091" y="122722"/>
-            <a:ext cx="5943600" cy="5991225"/>
-          </a:xfrm>
-          <a:prstGeom prst="rect">
-            <a:avLst/>
-          </a:prstGeom>
-          <a:noFill/>
-          <a:extLst>
-            <a:ext uri="{909E8E84-426E-40DD-AFC4-6F175D3DCCD1}">
-              <a14:hiddenFill xmlns:a14="http://schemas.microsoft.com/office/drawing/2010/main">
-                <a:solidFill>
-                  <a:srgbClr val="FFFFFF"/>
-                </a:solidFill>
-              </a14:hiddenFill>
-            </a:ext>
-          </a:extLst>
-        </p:spPr>
-      </p:pic>
       <p:sp>
         <p:nvSpPr>
           <p:cNvPr id="7" name="Rectangle 6"/>
@@ -8428,6 +8387,36 @@
           </a:p>
         </p:txBody>
       </p:sp>
+      <p:pic>
+        <p:nvPicPr>
+          <p:cNvPr id="2" name="Рисунок 1"/>
+          <p:cNvPicPr>
+            <a:picLocks noChangeAspect="1"/>
+          </p:cNvPicPr>
+          <p:nvPr/>
+        </p:nvPicPr>
+        <p:blipFill>
+          <a:blip r:embed="rId2">
+            <a:extLst>
+              <a:ext uri="{28A0092B-C50C-407E-A947-70E740481C1C}">
+                <a14:useLocalDpi xmlns:a14="http://schemas.microsoft.com/office/drawing/2010/main" val="0"/>
+              </a:ext>
+            </a:extLst>
+          </a:blip>
+          <a:stretch>
+            <a:fillRect/>
+          </a:stretch>
+        </p:blipFill>
+        <p:spPr>
+          <a:xfrm>
+            <a:off x="3748087" y="261937"/>
+            <a:ext cx="4695825" cy="5840095"/>
+          </a:xfrm>
+          <a:prstGeom prst="rect">
+            <a:avLst/>
+          </a:prstGeom>
+        </p:spPr>
+      </p:pic>
     </p:spTree>
     <p:extLst>
       <p:ext uri="{BB962C8B-B14F-4D97-AF65-F5344CB8AC3E}">
